--- a/Folien/Forsungsfragen.pptx
+++ b/Folien/Forsungsfragen.pptx
@@ -5,14 +5,15 @@
     <p:sldMasterId id="2147483648" r:id="rId4"/>
   </p:sldMasterIdLst>
   <p:notesMasterIdLst>
-    <p:notesMasterId r:id="rId7"/>
+    <p:notesMasterId r:id="rId8"/>
   </p:notesMasterIdLst>
   <p:handoutMasterIdLst>
-    <p:handoutMasterId r:id="rId8"/>
+    <p:handoutMasterId r:id="rId9"/>
   </p:handoutMasterIdLst>
   <p:sldIdLst>
     <p:sldId id="256" r:id="rId5"/>
-    <p:sldId id="257" r:id="rId6"/>
+    <p:sldId id="258" r:id="rId6"/>
+    <p:sldId id="257" r:id="rId7"/>
   </p:sldIdLst>
   <p:sldSz cx="12192000" cy="6858000"/>
   <p:notesSz cx="6858000" cy="9144000"/>
@@ -206,7 +207,7 @@
             <a:pPr rtl="0"/>
             <a:fld id="{705D51D2-ADCD-4092-BFAC-B3B920D83F85}" type="datetime1">
               <a:rPr lang="de-DE" smtClean="0"/>
-              <a:t>27.04.2021</a:t>
+              <a:t>03.05.2021</a:t>
             </a:fld>
             <a:endParaRPr lang="de-DE" dirty="0"/>
           </a:p>
@@ -375,7 +376,7 @@
             <a:fld id="{253EE615-04DF-4142-8B33-EF0FCE4F93E5}" type="datetime1">
               <a:rPr lang="de-DE" smtClean="0"/>
               <a:pPr/>
-              <a:t>27.04.2021</a:t>
+              <a:t>03.05.2021</a:t>
             </a:fld>
             <a:endParaRPr lang="de-DE" dirty="0"/>
           </a:p>
@@ -9527,7 +9528,7 @@
             <a:pPr rtl="0"/>
             <a:fld id="{88FC6F8F-5002-4D94-A3C0-B6AB2DF62D27}" type="datetime1">
               <a:rPr lang="de-DE" noProof="0" smtClean="0"/>
-              <a:t>27.04.2021</a:t>
+              <a:t>03.05.2021</a:t>
             </a:fld>
             <a:endParaRPr lang="de-DE" noProof="0" dirty="0"/>
           </a:p>
@@ -9733,7 +9734,7 @@
             <a:pPr rtl="0"/>
             <a:fld id="{8FFF26CF-3A7C-4631-A8BF-38458B0B5AD3}" type="datetime1">
               <a:rPr lang="de-DE" noProof="0" smtClean="0"/>
-              <a:t>27.04.2021</a:t>
+              <a:t>03.05.2021</a:t>
             </a:fld>
             <a:endParaRPr lang="de-DE" noProof="0" dirty="0"/>
           </a:p>
@@ -9912,7 +9913,7 @@
             <a:pPr rtl="0"/>
             <a:fld id="{5656F5FC-E12D-4883-A900-D8F749C16886}" type="datetime1">
               <a:rPr lang="de-DE" noProof="0" smtClean="0"/>
-              <a:t>27.04.2021</a:t>
+              <a:t>03.05.2021</a:t>
             </a:fld>
             <a:endParaRPr lang="de-DE" noProof="0" dirty="0"/>
           </a:p>
@@ -10116,7 +10117,7 @@
             <a:pPr rtl="0"/>
             <a:fld id="{AD11D247-BF25-4313-848F-0A6FFDC42CC3}" type="datetime1">
               <a:rPr lang="de-DE" noProof="0" smtClean="0"/>
-              <a:t>27.04.2021</a:t>
+              <a:t>03.05.2021</a:t>
             </a:fld>
             <a:endParaRPr lang="de-DE" noProof="0" dirty="0"/>
           </a:p>
@@ -19013,7 +19014,7 @@
             <a:pPr rtl="0"/>
             <a:fld id="{043CEAD4-1021-4B35-8BEC-0363D8DA6A57}" type="datetime1">
               <a:rPr lang="de-DE" noProof="0" smtClean="0"/>
-              <a:t>27.04.2021</a:t>
+              <a:t>03.05.2021</a:t>
             </a:fld>
             <a:endParaRPr lang="de-DE" noProof="0" dirty="0"/>
           </a:p>
@@ -19286,7 +19287,7 @@
             <a:pPr rtl="0"/>
             <a:fld id="{BE0DE884-BDB3-4445-9C7C-427638C7C80D}" type="datetime1">
               <a:rPr lang="de-DE" noProof="0" smtClean="0"/>
-              <a:t>27.04.2021</a:t>
+              <a:t>03.05.2021</a:t>
             </a:fld>
             <a:endParaRPr lang="de-DE" noProof="0" dirty="0"/>
           </a:p>
@@ -19683,7 +19684,7 @@
             <a:pPr rtl="0"/>
             <a:fld id="{24235473-FEB4-4673-9FA8-147CB48494B0}" type="datetime1">
               <a:rPr lang="de-DE" noProof="0" smtClean="0"/>
-              <a:t>27.04.2021</a:t>
+              <a:t>03.05.2021</a:t>
             </a:fld>
             <a:endParaRPr lang="de-DE" noProof="0" dirty="0"/>
           </a:p>
@@ -19800,7 +19801,7 @@
             <a:pPr rtl="0"/>
             <a:fld id="{DB72DBD2-9956-48DD-B433-972316F0D390}" type="datetime1">
               <a:rPr lang="de-DE" noProof="0" smtClean="0"/>
-              <a:t>27.04.2021</a:t>
+              <a:t>03.05.2021</a:t>
             </a:fld>
             <a:endParaRPr lang="de-DE" noProof="0" dirty="0"/>
           </a:p>
@@ -19893,7 +19894,7 @@
             <a:pPr rtl="0"/>
             <a:fld id="{7E7600A1-B4CA-4F63-8D09-F7DBA6E64CEA}" type="datetime1">
               <a:rPr lang="de-DE" noProof="0" smtClean="0"/>
-              <a:t>27.04.2021</a:t>
+              <a:t>03.05.2021</a:t>
             </a:fld>
             <a:endParaRPr lang="de-DE" noProof="0" dirty="0"/>
           </a:p>
@@ -20182,7 +20183,7 @@
             <a:pPr rtl="0"/>
             <a:fld id="{E723E022-A1A1-4E4C-B902-14F8D62BE84E}" type="datetime1">
               <a:rPr lang="de-DE" noProof="0" smtClean="0"/>
-              <a:t>27.04.2021</a:t>
+              <a:t>03.05.2021</a:t>
             </a:fld>
             <a:endParaRPr lang="de-DE" noProof="0" dirty="0"/>
           </a:p>
@@ -20462,7 +20463,7 @@
             <a:pPr rtl="0"/>
             <a:fld id="{01FB6D58-F84C-4882-B265-0A468AAE9816}" type="datetime1">
               <a:rPr lang="de-DE" noProof="0" smtClean="0"/>
-              <a:t>27.04.2021</a:t>
+              <a:t>03.05.2021</a:t>
             </a:fld>
             <a:endParaRPr lang="de-DE" noProof="0" dirty="0"/>
           </a:p>
@@ -20709,7 +20710,7 @@
             <a:pPr rtl="0"/>
             <a:fld id="{9E3617B5-9D3A-4290-B029-5215CF6190BB}" type="datetime1">
               <a:rPr lang="de-DE" noProof="0" smtClean="0"/>
-              <a:t>27.04.2021</a:t>
+              <a:t>03.05.2021</a:t>
             </a:fld>
             <a:endParaRPr lang="de-DE" noProof="0" dirty="0"/>
           </a:p>
@@ -21527,6 +21528,121 @@
 </file>
 
 <file path=ppt/slides/slide2.xml><?xml version="1.0" encoding="utf-8"?>
+<p:sld xmlns:a="http://schemas.openxmlformats.org/drawingml/2006/main" xmlns:r="http://schemas.openxmlformats.org/officeDocument/2006/relationships" xmlns:p="http://schemas.openxmlformats.org/presentationml/2006/main">
+  <p:cSld>
+    <p:spTree>
+      <p:nvGrpSpPr>
+        <p:cNvPr id="1" name=""/>
+        <p:cNvGrpSpPr/>
+        <p:nvPr/>
+      </p:nvGrpSpPr>
+      <p:grpSpPr>
+        <a:xfrm>
+          <a:off x="0" y="0"/>
+          <a:ext cx="0" cy="0"/>
+          <a:chOff x="0" y="0"/>
+          <a:chExt cx="0" cy="0"/>
+        </a:xfrm>
+      </p:grpSpPr>
+      <p:sp>
+        <p:nvSpPr>
+          <p:cNvPr id="2" name="Titel 1">
+            <a:extLst>
+              <a:ext uri="{FF2B5EF4-FFF2-40B4-BE49-F238E27FC236}">
+                <a16:creationId xmlns:a16="http://schemas.microsoft.com/office/drawing/2014/main" id="{C0838FCC-8DB4-4421-967B-376CEE4258CF}"/>
+              </a:ext>
+            </a:extLst>
+          </p:cNvPr>
+          <p:cNvSpPr>
+            <a:spLocks noGrp="1"/>
+          </p:cNvSpPr>
+          <p:nvPr>
+            <p:ph type="title"/>
+          </p:nvPr>
+        </p:nvSpPr>
+        <p:spPr/>
+        <p:txBody>
+          <a:bodyPr/>
+          <a:lstStyle/>
+          <a:p>
+            <a:r>
+              <a:rPr lang="de-DE" dirty="0"/>
+              <a:t>Forschungsfragen</a:t>
+            </a:r>
+          </a:p>
+        </p:txBody>
+      </p:sp>
+      <p:sp>
+        <p:nvSpPr>
+          <p:cNvPr id="3" name="Inhaltsplatzhalter 2">
+            <a:extLst>
+              <a:ext uri="{FF2B5EF4-FFF2-40B4-BE49-F238E27FC236}">
+                <a16:creationId xmlns:a16="http://schemas.microsoft.com/office/drawing/2014/main" id="{D1EA299D-6B7A-4548-9929-24F21153B44F}"/>
+              </a:ext>
+            </a:extLst>
+          </p:cNvPr>
+          <p:cNvSpPr>
+            <a:spLocks noGrp="1"/>
+          </p:cNvSpPr>
+          <p:nvPr>
+            <p:ph idx="1"/>
+          </p:nvPr>
+        </p:nvSpPr>
+        <p:spPr/>
+        <p:txBody>
+          <a:bodyPr/>
+          <a:lstStyle/>
+          <a:p>
+            <a:pPr>
+              <a:buFont typeface="Arial" panose="020B0604020202020204" pitchFamily="34" charset="0"/>
+              <a:buChar char="•"/>
+            </a:pPr>
+            <a:r>
+              <a:rPr lang="de-DE" dirty="0"/>
+              <a:t> Lassen sich Modulfehler von Photovoltaikanlagen mit Hilfe von maschinellem Lernen anhand von Leistungs- und Wetterdaten zuverlässig erkennen und klassifizieren?</a:t>
+            </a:r>
+          </a:p>
+          <a:p>
+            <a:pPr>
+              <a:buFont typeface="Arial" panose="020B0604020202020204" pitchFamily="34" charset="0"/>
+              <a:buChar char="•"/>
+            </a:pPr>
+            <a:r>
+              <a:rPr lang="de-DE" dirty="0"/>
+              <a:t> Lässt sich die Erkennung von Modulfehlern durch das Einbeziehen simulierter </a:t>
+            </a:r>
+            <a:r>
+              <a:rPr lang="de-DE"/>
+              <a:t>Daten verbessern?</a:t>
+            </a:r>
+            <a:endParaRPr lang="de-DE" dirty="0"/>
+          </a:p>
+          <a:p>
+            <a:pPr>
+              <a:buFont typeface="Arial" panose="020B0604020202020204" pitchFamily="34" charset="0"/>
+              <a:buChar char="•"/>
+            </a:pPr>
+            <a:r>
+              <a:rPr lang="de-DE" dirty="0"/>
+              <a:t> ???</a:t>
+            </a:r>
+          </a:p>
+        </p:txBody>
+      </p:sp>
+    </p:spTree>
+    <p:extLst>
+      <p:ext uri="{BB962C8B-B14F-4D97-AF65-F5344CB8AC3E}">
+        <p14:creationId xmlns:p14="http://schemas.microsoft.com/office/powerpoint/2010/main" val="3332739043"/>
+      </p:ext>
+    </p:extLst>
+  </p:cSld>
+  <p:clrMapOvr>
+    <a:masterClrMapping/>
+  </p:clrMapOvr>
+</p:sld>
+</file>
+
+<file path=ppt/slides/slide3.xml><?xml version="1.0" encoding="utf-8"?>
 <p:sld xmlns:a="http://schemas.openxmlformats.org/drawingml/2006/main" xmlns:r="http://schemas.openxmlformats.org/officeDocument/2006/relationships" xmlns:p="http://schemas.openxmlformats.org/presentationml/2006/main">
   <p:cSld>
     <p:spTree>
